--- a/kainat quaderee - khaled karim.pptx
+++ b/kainat quaderee - khaled karim.pptx
@@ -4022,10 +4022,14 @@
   </p:clrMapOvr>
   <mc:AlternateContent xmlns:mc="http://schemas.openxmlformats.org/markup-compatibility/2006">
     <mc:Choice xmlns:p14="http://schemas.microsoft.com/office/powerpoint/2010/main" Requires="p14">
-      <p:transition p14:dur="2000" advClick="1"/>
+      <p:transition spd="slow" p14:dur="2000" advClick="1">
+        <p:fade thruBlk="0"/>
+      </p:transition>
     </mc:Choice>
     <mc:Fallback>
-      <p:transition advClick="1"/>
+      <p:transition spd="slow" advClick="1">
+        <p:fade thruBlk="0"/>
+      </p:transition>
     </mc:Fallback>
   </mc:AlternateContent>
 </p:sld>
@@ -4133,7 +4137,7 @@
         <p:spPr bwMode="auto">
           <a:xfrm flipH="0" flipV="0">
             <a:off x="-30152" y="-23231"/>
-            <a:ext cx="10128993" cy="5703918"/>
+            <a:ext cx="10128992" cy="5703918"/>
           </a:xfrm>
           <a:prstGeom prst="rect">
             <a:avLst/>
@@ -4147,10 +4151,14 @@
   </p:clrMapOvr>
   <mc:AlternateContent xmlns:mc="http://schemas.openxmlformats.org/markup-compatibility/2006">
     <mc:Choice xmlns:p14="http://schemas.microsoft.com/office/powerpoint/2010/main" Requires="p14">
-      <p:transition p14:dur="2000" advClick="1"/>
+      <p:transition spd="slow" p14:dur="2000" advClick="1">
+        <p:fade thruBlk="0"/>
+      </p:transition>
     </mc:Choice>
     <mc:Fallback>
-      <p:transition advClick="1"/>
+      <p:transition spd="slow" advClick="1">
+        <p:fade thruBlk="0"/>
+      </p:transition>
     </mc:Fallback>
   </mc:AlternateContent>
 </p:sld>
@@ -4459,10 +4467,14 @@
   </p:clrMapOvr>
   <mc:AlternateContent xmlns:mc="http://schemas.openxmlformats.org/markup-compatibility/2006">
     <mc:Choice xmlns:p14="http://schemas.microsoft.com/office/powerpoint/2010/main" Requires="p14">
-      <p:transition p14:dur="2000" advClick="1"/>
+      <p:transition spd="slow" p14:dur="2000" advClick="1">
+        <p:fade thruBlk="0"/>
+      </p:transition>
     </mc:Choice>
     <mc:Fallback>
-      <p:transition advClick="1"/>
+      <p:transition spd="slow" advClick="1">
+        <p:fade thruBlk="0"/>
+      </p:transition>
     </mc:Fallback>
   </mc:AlternateContent>
 </p:sld>
@@ -4686,10 +4698,14 @@
   </p:clrMapOvr>
   <mc:AlternateContent xmlns:mc="http://schemas.openxmlformats.org/markup-compatibility/2006">
     <mc:Choice xmlns:p14="http://schemas.microsoft.com/office/powerpoint/2010/main" Requires="p14">
-      <p:transition p14:dur="2000" advClick="1"/>
+      <p:transition spd="slow" p14:dur="2000" advClick="1">
+        <p:fade thruBlk="0"/>
+      </p:transition>
     </mc:Choice>
     <mc:Fallback>
-      <p:transition advClick="1"/>
+      <p:transition spd="slow" advClick="1">
+        <p:fade thruBlk="0"/>
+      </p:transition>
     </mc:Fallback>
   </mc:AlternateContent>
 </p:sld>

--- a/kainat quaderee - khaled karim.pptx
+++ b/kainat quaderee - khaled karim.pptx
@@ -3553,6 +3553,22 @@
               </a:rPr>
               <a:t>, and token-based economics</a:t>
             </a:r>
+            <a:endParaRPr sz="1600">
+              <a:solidFill>
+                <a:srgbClr val="202122"/>
+              </a:solidFill>
+              <a:highlight>
+                <a:srgbClr val="FFFFFF"/>
+              </a:highlight>
+              <a:latin typeface="Arial"/>
+              <a:ea typeface="Arial"/>
+              <a:cs typeface="Arial"/>
+            </a:endParaRPr>
+          </a:p>
+          <a:p>
+            <a:pPr algn="l">
+              <a:defRPr/>
+            </a:pPr>
             <a:endParaRPr sz="1400">
               <a:highlight>
                 <a:srgbClr val="FFFFFF"/>
@@ -3563,13 +3579,10 @@
             <a:pPr algn="l">
               <a:defRPr/>
             </a:pPr>
-            <a:endParaRPr sz="1600">
+            <a:endParaRPr sz="1400">
               <a:highlight>
                 <a:srgbClr val="FFFFFF"/>
               </a:highlight>
-              <a:latin typeface="Arial"/>
-              <a:ea typeface="Arial"/>
-              <a:cs typeface="Arial"/>
             </a:endParaRPr>
           </a:p>
           <a:p>
@@ -3675,21 +3688,7 @@
                 <a:ea typeface="Arial"/>
                 <a:cs typeface="Arial"/>
               </a:rPr>
-              <a:t> enthusiasts,        </a:t>
-            </a:r>
-            <a:r>
-              <a:rPr sz="1600">
-                <a:solidFill>
-                  <a:srgbClr val="202122"/>
-                </a:solidFill>
-                <a:highlight>
-                  <a:srgbClr val="FFFFFF"/>
-                </a:highlight>
-                <a:latin typeface="Arial"/>
-                <a:ea typeface="Arial"/>
-                <a:cs typeface="Arial"/>
-              </a:rPr>
-              <a:t>large technology companies, and </a:t>
+              <a:t> enthusiasts, large technology companies, and </a:t>
             </a:r>
             <a:r>
               <a:rPr sz="1600">
@@ -3766,166 +3765,16 @@
             <a:r>
               <a:rPr sz="1600">
                 <a:solidFill>
-                  <a:srgbClr val="202122"/>
+                  <a:srgbClr val="4C4C4C"/>
                 </a:solidFill>
-                <a:highlight>
-                  <a:srgbClr val="FFFFFF"/>
-                </a:highlight>
-                <a:latin typeface="Arial"/>
-                <a:ea typeface="Arial"/>
-                <a:cs typeface="Arial"/>
-              </a:rPr>
-              <a:t>The term "Web3" was coined in 2014 by </a:t>
+                <a:latin typeface="Liberation Sans"/>
+                <a:ea typeface="Liberation Sans"/>
+                <a:cs typeface="Liberation Sans"/>
+              </a:rPr>
+              <a:t>Instead of a Web monopolized by large technology companies, Web3 embraces decentralization and is being built, operated, and owned by its users. Web3 puts power in the hands of individuals rather than corporations. Befor</a:t>
             </a:r>
             <a:r>
               <a:rPr sz="1600">
-                <a:highlight>
-                  <a:srgbClr val="FFFFFF"/>
-                </a:highlight>
-                <a:latin typeface="Arial"/>
-                <a:ea typeface="Arial"/>
-                <a:cs typeface="Arial"/>
-              </a:rPr>
-              <a:t>Ethereum</a:t>
-            </a:r>
-            <a:r>
-              <a:rPr sz="1600">
-                <a:solidFill>
-                  <a:srgbClr val="202122"/>
-                </a:solidFill>
-                <a:highlight>
-                  <a:srgbClr val="FFFFFF"/>
-                </a:highlight>
-                <a:latin typeface="Arial"/>
-                <a:ea typeface="Arial"/>
-                <a:cs typeface="Arial"/>
-              </a:rPr>
-              <a:t> co-founder </a:t>
-            </a:r>
-            <a:r>
-              <a:rPr sz="1600">
-                <a:highlight>
-                  <a:srgbClr val="FFFFFF"/>
-                </a:highlight>
-                <a:latin typeface="Arial"/>
-                <a:ea typeface="Arial"/>
-                <a:cs typeface="Arial"/>
-              </a:rPr>
-              <a:t>Gavin Wood</a:t>
-            </a:r>
-            <a:r>
-              <a:rPr sz="1600">
-                <a:solidFill>
-                  <a:srgbClr val="202122"/>
-                </a:solidFill>
-                <a:highlight>
-                  <a:srgbClr val="FFFFFF"/>
-                </a:highlight>
-                <a:latin typeface="Arial"/>
-                <a:ea typeface="Arial"/>
-                <a:cs typeface="Arial"/>
-              </a:rPr>
-              <a:t>, and the idea gained interest in 2021 from </a:t>
-            </a:r>
-            <a:r>
-              <a:rPr sz="1600">
-                <a:highlight>
-                  <a:srgbClr val="FFFFFF"/>
-                </a:highlight>
-                <a:latin typeface="Arial"/>
-                <a:ea typeface="Arial"/>
-                <a:cs typeface="Arial"/>
-              </a:rPr>
-              <a:t>cryptocurrency</a:t>
-            </a:r>
-            <a:r>
-              <a:rPr sz="1600">
-                <a:solidFill>
-                  <a:srgbClr val="202122"/>
-                </a:solidFill>
-                <a:highlight>
-                  <a:srgbClr val="FFFFFF"/>
-                </a:highlight>
-                <a:latin typeface="Arial"/>
-                <a:ea typeface="Arial"/>
-                <a:cs typeface="Arial"/>
-              </a:rPr>
-              <a:t> enthusiasts, large technology companies, and </a:t>
-            </a:r>
-            <a:r>
-              <a:rPr sz="1600">
-                <a:highlight>
-                  <a:srgbClr val="FFFFFF"/>
-                </a:highlight>
-                <a:latin typeface="Arial"/>
-                <a:ea typeface="Arial"/>
-                <a:cs typeface="Arial"/>
-              </a:rPr>
-              <a:t>venture capital</a:t>
-            </a:r>
-            <a:r>
-              <a:rPr sz="1600">
-                <a:solidFill>
-                  <a:srgbClr val="202122"/>
-                </a:solidFill>
-                <a:highlight>
-                  <a:srgbClr val="FFFFFF"/>
-                </a:highlight>
-                <a:latin typeface="Arial"/>
-                <a:ea typeface="Arial"/>
-                <a:cs typeface="Arial"/>
-              </a:rPr>
-              <a:t> firms.</a:t>
-            </a:r>
-            <a:endParaRPr sz="1400">
-              <a:highlight>
-                <a:srgbClr val="FFFFFF"/>
-              </a:highlight>
-            </a:endParaRPr>
-          </a:p>
-          <a:p>
-            <a:pPr marL="195764" marR="0" indent="-195764" algn="l" defTabSz="914400">
-              <a:lnSpc>
-                <a:spcPct val="100000"/>
-              </a:lnSpc>
-              <a:spcBef>
-                <a:spcPts val="0"/>
-              </a:spcBef>
-              <a:spcAft>
-                <a:spcPts val="0"/>
-              </a:spcAft>
-              <a:buSzPct val="200000"/>
-              <a:buFont typeface="Arial"/>
-              <a:buChar char="•"/>
-              <a:defRPr/>
-            </a:pPr>
-            <a:endParaRPr sz="1600">
-              <a:highlight>
-                <a:srgbClr val="FFFFFF"/>
-              </a:highlight>
-              <a:latin typeface="Arial"/>
-              <a:ea typeface="Arial"/>
-              <a:cs typeface="Arial"/>
-            </a:endParaRPr>
-          </a:p>
-          <a:p>
-            <a:pPr marL="195764" marR="0" indent="-195764" algn="l" defTabSz="914400">
-              <a:lnSpc>
-                <a:spcPct val="100000"/>
-              </a:lnSpc>
-              <a:spcBef>
-                <a:spcPts val="0"/>
-              </a:spcBef>
-              <a:spcAft>
-                <a:spcPts val="0"/>
-              </a:spcAft>
-              <a:buSzPct val="200000"/>
-              <a:buFont typeface="Arial"/>
-              <a:buChar char="•"/>
-              <a:defRPr/>
-            </a:pPr>
-            <a:r>
-              <a:rPr sz="1400">
                 <a:solidFill>
                   <a:srgbClr val="4C4C4C"/>
                 </a:solidFill>
@@ -3933,20 +3782,9 @@
                 <a:ea typeface="Liberation Sans"/>
                 <a:cs typeface="Liberation Sans"/>
               </a:rPr>
-              <a:t>Instead of a Web monopolized by large technology companies, Web3 embraces decentralization and is being built, operated, and owned by its users. Web3 puts power in the hands of individuals rather than corporations. Befor</a:t>
-            </a:r>
-            <a:r>
-              <a:rPr sz="1400">
-                <a:solidFill>
-                  <a:srgbClr val="4C4C4C"/>
-                </a:solidFill>
-                <a:latin typeface="Liberation Sans"/>
-                <a:ea typeface="Liberation Sans"/>
-                <a:cs typeface="Liberation Sans"/>
-              </a:rPr>
               <a:t>e we talk about Web3, let's explore how we got here.</a:t>
             </a:r>
-            <a:endParaRPr sz="1400">
+            <a:endParaRPr sz="1600">
               <a:highlight>
                 <a:srgbClr val="FFFFFF"/>
               </a:highlight>

--- a/kainat quaderee - khaled karim.pptx
+++ b/kainat quaderee - khaled karim.pptx
@@ -3771,27 +3771,19 @@
                 <a:ea typeface="Liberation Sans"/>
                 <a:cs typeface="Liberation Sans"/>
               </a:rPr>
-              <a:t>Instead of a Web monopolized by large technology companies, Web3 embraces decentralization and is being built, operated, and owned by its users. Web3 puts power in the hands of individuals rather than corporations. Befor</a:t>
-            </a:r>
-            <a:r>
-              <a:rPr sz="1600">
-                <a:solidFill>
-                  <a:srgbClr val="4C4C4C"/>
-                </a:solidFill>
-                <a:latin typeface="Liberation Sans"/>
-                <a:ea typeface="Liberation Sans"/>
-                <a:cs typeface="Liberation Sans"/>
-              </a:rPr>
-              <a:t>e we talk about Web3, let's explore how we got here.</a:t>
+              <a:t>Instead of a Web monopolized by large technology companies, Web3 embraces decentralization and is being built, operated, and owned by its users. Web3 puts power in the hands of individuals rather than corporations.</a:t>
             </a:r>
             <a:endParaRPr sz="1600">
-              <a:highlight>
-                <a:srgbClr val="FFFFFF"/>
-              </a:highlight>
-            </a:endParaRPr>
-          </a:p>
-          <a:p>
-            <a:pPr marL="195764" marR="0" indent="-195764" algn="l" defTabSz="914400">
+              <a:solidFill>
+                <a:srgbClr val="4C4C4C"/>
+              </a:solidFill>
+              <a:latin typeface="Liberation Sans"/>
+              <a:ea typeface="Liberation Sans"/>
+              <a:cs typeface="Liberation Sans"/>
+            </a:endParaRPr>
+          </a:p>
+          <a:p>
+            <a:pPr algn="l" defTabSz="914400">
               <a:lnSpc>
                 <a:spcPct val="100000"/>
               </a:lnSpc>
@@ -3801,18 +3793,12 @@
               <a:spcAft>
                 <a:spcPts val="0"/>
               </a:spcAft>
-              <a:buSzPct val="200000"/>
-              <a:buFont typeface="Arial"/>
-              <a:buChar char="•"/>
               <a:defRPr/>
             </a:pPr>
             <a:endParaRPr sz="1600">
               <a:highlight>
                 <a:srgbClr val="FFFFFF"/>
               </a:highlight>
-              <a:latin typeface="Arial"/>
-              <a:ea typeface="Arial"/>
-              <a:cs typeface="Arial"/>
             </a:endParaRPr>
           </a:p>
           <a:p>
